--- a/櫻畑/資料/発表資料.pptx
+++ b/櫻畑/資料/発表資料.pptx
@@ -7,6 +7,7 @@
   <p:sldIdLst>
     <p:sldId id="256" r:id="rId2"/>
     <p:sldId id="257" r:id="rId3"/>
+    <p:sldId id="258" r:id="rId4"/>
   </p:sldIdLst>
   <p:sldSz cx="12192000" cy="6858000"/>
   <p:notesSz cx="6858000" cy="9144000"/>
@@ -105,6 +106,11 @@
       </a:defRPr>
     </a:lvl9pPr>
   </p:defaultTextStyle>
+  <p:extLst>
+    <p:ext uri="{EFAFB233-063F-42B5-8137-9DF3F51BA10A}">
+      <p15:sldGuideLst xmlns:p15="http://schemas.microsoft.com/office/powerpoint/2012/main"/>
+    </p:ext>
+  </p:extLst>
 </p:presentation>
 </file>
 
@@ -239,7 +245,7 @@
           <a:p>
             <a:fld id="{9878ED59-041D-4854-9794-01A302C6670C}" type="datetimeFigureOut">
               <a:rPr kumimoji="1" lang="ja-JP" altLang="en-US" smtClean="0"/>
-              <a:t>2015/10/21</a:t>
+              <a:t>2015/10/27</a:t>
             </a:fld>
             <a:endParaRPr kumimoji="1" lang="ja-JP" altLang="en-US"/>
           </a:p>
@@ -441,7 +447,7 @@
           <a:p>
             <a:fld id="{9878ED59-041D-4854-9794-01A302C6670C}" type="datetimeFigureOut">
               <a:rPr kumimoji="1" lang="ja-JP" altLang="en-US" smtClean="0"/>
-              <a:t>2015/10/21</a:t>
+              <a:t>2015/10/27</a:t>
             </a:fld>
             <a:endParaRPr kumimoji="1" lang="ja-JP" altLang="en-US"/>
           </a:p>
@@ -653,7 +659,7 @@
           <a:p>
             <a:fld id="{9878ED59-041D-4854-9794-01A302C6670C}" type="datetimeFigureOut">
               <a:rPr kumimoji="1" lang="ja-JP" altLang="en-US" smtClean="0"/>
-              <a:t>2015/10/21</a:t>
+              <a:t>2015/10/27</a:t>
             </a:fld>
             <a:endParaRPr kumimoji="1" lang="ja-JP" altLang="en-US"/>
           </a:p>
@@ -855,7 +861,7 @@
           <a:p>
             <a:fld id="{9878ED59-041D-4854-9794-01A302C6670C}" type="datetimeFigureOut">
               <a:rPr kumimoji="1" lang="ja-JP" altLang="en-US" smtClean="0"/>
-              <a:t>2015/10/21</a:t>
+              <a:t>2015/10/27</a:t>
             </a:fld>
             <a:endParaRPr kumimoji="1" lang="ja-JP" altLang="en-US"/>
           </a:p>
@@ -1101,7 +1107,7 @@
           <a:p>
             <a:fld id="{9878ED59-041D-4854-9794-01A302C6670C}" type="datetimeFigureOut">
               <a:rPr kumimoji="1" lang="ja-JP" altLang="en-US" smtClean="0"/>
-              <a:t>2015/10/21</a:t>
+              <a:t>2015/10/27</a:t>
             </a:fld>
             <a:endParaRPr kumimoji="1" lang="ja-JP" altLang="en-US"/>
           </a:p>
@@ -1397,7 +1403,7 @@
           <a:p>
             <a:fld id="{9878ED59-041D-4854-9794-01A302C6670C}" type="datetimeFigureOut">
               <a:rPr kumimoji="1" lang="ja-JP" altLang="en-US" smtClean="0"/>
-              <a:t>2015/10/21</a:t>
+              <a:t>2015/10/27</a:t>
             </a:fld>
             <a:endParaRPr kumimoji="1" lang="ja-JP" altLang="en-US"/>
           </a:p>
@@ -1828,7 +1834,7 @@
           <a:p>
             <a:fld id="{9878ED59-041D-4854-9794-01A302C6670C}" type="datetimeFigureOut">
               <a:rPr kumimoji="1" lang="ja-JP" altLang="en-US" smtClean="0"/>
-              <a:t>2015/10/21</a:t>
+              <a:t>2015/10/27</a:t>
             </a:fld>
             <a:endParaRPr kumimoji="1" lang="ja-JP" altLang="en-US"/>
           </a:p>
@@ -1946,7 +1952,7 @@
           <a:p>
             <a:fld id="{9878ED59-041D-4854-9794-01A302C6670C}" type="datetimeFigureOut">
               <a:rPr kumimoji="1" lang="ja-JP" altLang="en-US" smtClean="0"/>
-              <a:t>2015/10/21</a:t>
+              <a:t>2015/10/27</a:t>
             </a:fld>
             <a:endParaRPr kumimoji="1" lang="ja-JP" altLang="en-US"/>
           </a:p>
@@ -2041,7 +2047,7 @@
           <a:p>
             <a:fld id="{9878ED59-041D-4854-9794-01A302C6670C}" type="datetimeFigureOut">
               <a:rPr kumimoji="1" lang="ja-JP" altLang="en-US" smtClean="0"/>
-              <a:t>2015/10/21</a:t>
+              <a:t>2015/10/27</a:t>
             </a:fld>
             <a:endParaRPr kumimoji="1" lang="ja-JP" altLang="en-US"/>
           </a:p>
@@ -2350,7 +2356,7 @@
           <a:p>
             <a:fld id="{9878ED59-041D-4854-9794-01A302C6670C}" type="datetimeFigureOut">
               <a:rPr kumimoji="1" lang="ja-JP" altLang="en-US" smtClean="0"/>
-              <a:t>2015/10/21</a:t>
+              <a:t>2015/10/27</a:t>
             </a:fld>
             <a:endParaRPr kumimoji="1" lang="ja-JP" altLang="en-US"/>
           </a:p>
@@ -2603,7 +2609,7 @@
           <a:p>
             <a:fld id="{9878ED59-041D-4854-9794-01A302C6670C}" type="datetimeFigureOut">
               <a:rPr kumimoji="1" lang="ja-JP" altLang="en-US" smtClean="0"/>
-              <a:t>2015/10/21</a:t>
+              <a:t>2015/10/27</a:t>
             </a:fld>
             <a:endParaRPr kumimoji="1" lang="ja-JP" altLang="en-US"/>
           </a:p>
@@ -2848,7 +2854,7 @@
           <a:p>
             <a:fld id="{9878ED59-041D-4854-9794-01A302C6670C}" type="datetimeFigureOut">
               <a:rPr kumimoji="1" lang="ja-JP" altLang="en-US" smtClean="0"/>
-              <a:t>2015/10/21</a:t>
+              <a:t>2015/10/27</a:t>
             </a:fld>
             <a:endParaRPr kumimoji="1" lang="ja-JP" altLang="en-US"/>
           </a:p>
@@ -3389,7 +3395,7 @@
         </p:nvSpPr>
         <p:spPr>
           <a:xfrm>
-            <a:off x="7437120" y="822960"/>
+            <a:off x="5273499" y="340822"/>
             <a:ext cx="1645002" cy="584775"/>
           </a:xfrm>
           <a:prstGeom prst="rect">
@@ -3411,10 +3417,351 @@
           </a:p>
         </p:txBody>
       </p:sp>
+      <p:sp>
+        <p:nvSpPr>
+          <p:cNvPr id="3" name="テキスト ボックス 2"/>
+          <p:cNvSpPr txBox="1"/>
+          <p:nvPr/>
+        </p:nvSpPr>
+        <p:spPr>
+          <a:xfrm>
+            <a:off x="9820491" y="1218809"/>
+            <a:ext cx="2010487" cy="3416320"/>
+          </a:xfrm>
+          <a:prstGeom prst="rect">
+            <a:avLst/>
+          </a:prstGeom>
+          <a:noFill/>
+        </p:spPr>
+        <p:txBody>
+          <a:bodyPr wrap="none" rtlCol="0">
+            <a:spAutoFit/>
+          </a:bodyPr>
+          <a:lstStyle/>
+          <a:p>
+            <a:r>
+              <a:rPr kumimoji="1" lang="ja-JP" altLang="en-US" dirty="0" smtClean="0"/>
+              <a:t>スクラムマスター</a:t>
+            </a:r>
+            <a:endParaRPr kumimoji="1" lang="en-US" altLang="ja-JP" dirty="0" smtClean="0"/>
+          </a:p>
+          <a:p>
+            <a:r>
+              <a:rPr lang="ja-JP" altLang="en-US" dirty="0"/>
+              <a:t>溝江</a:t>
+            </a:r>
+            <a:endParaRPr kumimoji="1" lang="en-US" altLang="ja-JP" dirty="0" smtClean="0"/>
+          </a:p>
+          <a:p>
+            <a:r>
+              <a:rPr kumimoji="1" lang="ja-JP" altLang="en-US" dirty="0" smtClean="0"/>
+              <a:t>プロダクトオーナー</a:t>
+            </a:r>
+            <a:endParaRPr kumimoji="1" lang="en-US" altLang="ja-JP" dirty="0" smtClean="0"/>
+          </a:p>
+          <a:p>
+            <a:r>
+              <a:rPr lang="ja-JP" altLang="en-US" dirty="0"/>
+              <a:t>櫻</a:t>
+            </a:r>
+            <a:r>
+              <a:rPr lang="ja-JP" altLang="en-US" dirty="0" smtClean="0"/>
+              <a:t>畑</a:t>
+            </a:r>
+            <a:endParaRPr lang="en-US" altLang="ja-JP" dirty="0" smtClean="0"/>
+          </a:p>
+          <a:p>
+            <a:r>
+              <a:rPr kumimoji="1" lang="en-US" altLang="ja-JP" dirty="0" smtClean="0"/>
+              <a:t>Unity</a:t>
+            </a:r>
+            <a:r>
+              <a:rPr kumimoji="1" lang="ja-JP" altLang="en-US" dirty="0" smtClean="0"/>
+              <a:t>　</a:t>
+            </a:r>
+            <a:r>
+              <a:rPr kumimoji="1" lang="en-US" altLang="ja-JP" dirty="0" smtClean="0"/>
+              <a:t>script</a:t>
+            </a:r>
+            <a:r>
+              <a:rPr kumimoji="1" lang="ja-JP" altLang="en-US" dirty="0" smtClean="0"/>
+              <a:t>担当</a:t>
+            </a:r>
+            <a:endParaRPr kumimoji="1" lang="en-US" altLang="ja-JP" dirty="0" smtClean="0"/>
+          </a:p>
+          <a:p>
+            <a:r>
+              <a:rPr lang="ja-JP" altLang="en-US" dirty="0" smtClean="0"/>
+              <a:t>野地</a:t>
+            </a:r>
+            <a:endParaRPr lang="en-US" altLang="ja-JP" dirty="0" smtClean="0"/>
+          </a:p>
+          <a:p>
+            <a:r>
+              <a:rPr kumimoji="1" lang="ja-JP" altLang="en-US" dirty="0" smtClean="0"/>
+              <a:t>小島</a:t>
+            </a:r>
+            <a:endParaRPr kumimoji="1" lang="en-US" altLang="ja-JP" dirty="0" smtClean="0"/>
+          </a:p>
+          <a:p>
+            <a:r>
+              <a:rPr lang="ja-JP" altLang="en-US" dirty="0" smtClean="0"/>
+              <a:t>宮崎</a:t>
+            </a:r>
+            <a:endParaRPr lang="en-US" altLang="ja-JP" dirty="0" smtClean="0"/>
+          </a:p>
+          <a:p>
+            <a:r>
+              <a:rPr lang="ja-JP" altLang="en-US" dirty="0" smtClean="0"/>
+              <a:t>デザイン担当</a:t>
+            </a:r>
+            <a:endParaRPr lang="en-US" altLang="ja-JP" dirty="0" smtClean="0"/>
+          </a:p>
+          <a:p>
+            <a:r>
+              <a:rPr lang="ja-JP" altLang="en-US" dirty="0" smtClean="0"/>
+              <a:t>高居</a:t>
+            </a:r>
+            <a:endParaRPr lang="en-US" altLang="ja-JP" dirty="0" smtClean="0"/>
+          </a:p>
+          <a:p>
+            <a:r>
+              <a:rPr lang="ja-JP" altLang="en-US" dirty="0"/>
+              <a:t>渡辺</a:t>
+            </a:r>
+            <a:endParaRPr lang="en-US" altLang="ja-JP" dirty="0" smtClean="0"/>
+          </a:p>
+          <a:p>
+            <a:endParaRPr kumimoji="1" lang="ja-JP" altLang="en-US" dirty="0"/>
+          </a:p>
+        </p:txBody>
+      </p:sp>
     </p:spTree>
     <p:extLst>
       <p:ext uri="{BB962C8B-B14F-4D97-AF65-F5344CB8AC3E}">
         <p14:creationId xmlns:p14="http://schemas.microsoft.com/office/powerpoint/2010/main" val="3362384490"/>
+      </p:ext>
+    </p:extLst>
+  </p:cSld>
+  <p:clrMapOvr>
+    <a:masterClrMapping/>
+  </p:clrMapOvr>
+</p:sld>
+</file>
+
+<file path=ppt/slides/slide3.xml><?xml version="1.0" encoding="utf-8"?>
+<p:sld xmlns:a="http://schemas.openxmlformats.org/drawingml/2006/main" xmlns:r="http://schemas.openxmlformats.org/officeDocument/2006/relationships" xmlns:p="http://schemas.openxmlformats.org/presentationml/2006/main">
+  <p:cSld>
+    <p:spTree>
+      <p:nvGrpSpPr>
+        <p:cNvPr id="1" name=""/>
+        <p:cNvGrpSpPr/>
+        <p:nvPr/>
+      </p:nvGrpSpPr>
+      <p:grpSpPr>
+        <a:xfrm>
+          <a:off x="0" y="0"/>
+          <a:ext cx="0" cy="0"/>
+          <a:chOff x="0" y="0"/>
+          <a:chExt cx="0" cy="0"/>
+        </a:xfrm>
+      </p:grpSpPr>
+      <p:sp>
+        <p:nvSpPr>
+          <p:cNvPr id="2" name="テキスト ボックス 1"/>
+          <p:cNvSpPr txBox="1"/>
+          <p:nvPr/>
+        </p:nvSpPr>
+        <p:spPr>
+          <a:xfrm>
+            <a:off x="6633556" y="1579418"/>
+            <a:ext cx="184731" cy="369332"/>
+          </a:xfrm>
+          <a:prstGeom prst="rect">
+            <a:avLst/>
+          </a:prstGeom>
+          <a:noFill/>
+        </p:spPr>
+        <p:txBody>
+          <a:bodyPr wrap="none" rtlCol="0">
+            <a:spAutoFit/>
+          </a:bodyPr>
+          <a:lstStyle/>
+          <a:p>
+            <a:endParaRPr kumimoji="1" lang="ja-JP" altLang="en-US" dirty="0"/>
+          </a:p>
+        </p:txBody>
+      </p:sp>
+      <p:sp>
+        <p:nvSpPr>
+          <p:cNvPr id="4" name="コンテンツ プレースホルダー 3"/>
+          <p:cNvSpPr>
+            <a:spLocks noGrp="1"/>
+          </p:cNvSpPr>
+          <p:nvPr>
+            <p:ph idx="1"/>
+          </p:nvPr>
+        </p:nvSpPr>
+        <p:spPr>
+          <a:xfrm>
+            <a:off x="0" y="0"/>
+            <a:ext cx="6633556" cy="6858000"/>
+          </a:xfrm>
+        </p:spPr>
+        <p:txBody>
+          <a:bodyPr/>
+          <a:lstStyle/>
+          <a:p>
+            <a:pPr marL="0" indent="0">
+              <a:buNone/>
+            </a:pPr>
+            <a:endParaRPr kumimoji="1" lang="ja-JP" altLang="en-US" dirty="0"/>
+          </a:p>
+        </p:txBody>
+      </p:sp>
+      <p:sp>
+        <p:nvSpPr>
+          <p:cNvPr id="5" name="テキスト ボックス 4"/>
+          <p:cNvSpPr txBox="1"/>
+          <p:nvPr/>
+        </p:nvSpPr>
+        <p:spPr>
+          <a:xfrm>
+            <a:off x="6818287" y="116379"/>
+            <a:ext cx="4663456" cy="4031873"/>
+          </a:xfrm>
+          <a:prstGeom prst="rect">
+            <a:avLst/>
+          </a:prstGeom>
+          <a:noFill/>
+          <a:ln>
+            <a:noFill/>
+          </a:ln>
+          <a:effectLst>
+            <a:outerShdw blurRad="149987" dist="250190" dir="8460000" algn="ctr">
+              <a:srgbClr val="000000">
+                <a:alpha val="28000"/>
+              </a:srgbClr>
+            </a:outerShdw>
+          </a:effectLst>
+          <a:scene3d>
+            <a:camera prst="orthographicFront">
+              <a:rot lat="0" lon="0" rev="0"/>
+            </a:camera>
+            <a:lightRig rig="contrasting" dir="t">
+              <a:rot lat="0" lon="0" rev="1500000"/>
+            </a:lightRig>
+          </a:scene3d>
+          <a:sp3d prstMaterial="metal">
+            <a:bevelT w="88900" h="88900"/>
+          </a:sp3d>
+        </p:spPr>
+        <p:txBody>
+          <a:bodyPr wrap="none" rtlCol="0">
+            <a:spAutoFit/>
+          </a:bodyPr>
+          <a:lstStyle/>
+          <a:p>
+            <a:r>
+              <a:rPr kumimoji="1" lang="ja-JP" altLang="en-US" sz="3200" dirty="0" smtClean="0"/>
+              <a:t>◆ジャンル</a:t>
+            </a:r>
+            <a:endParaRPr kumimoji="1" lang="en-US" altLang="ja-JP" sz="3200" dirty="0" smtClean="0"/>
+          </a:p>
+          <a:p>
+            <a:r>
+              <a:rPr lang="ja-JP" altLang="en-US" sz="3200" dirty="0"/>
+              <a:t>　</a:t>
+            </a:r>
+            <a:r>
+              <a:rPr lang="ja-JP" altLang="en-US" sz="3200" dirty="0" smtClean="0"/>
+              <a:t>　　ロボット脱出ゲーム</a:t>
+            </a:r>
+            <a:endParaRPr lang="en-US" altLang="ja-JP" sz="3200" dirty="0" smtClean="0"/>
+          </a:p>
+          <a:p>
+            <a:r>
+              <a:rPr lang="ja-JP" altLang="en-US" sz="3200" dirty="0"/>
+              <a:t>◆</a:t>
+            </a:r>
+            <a:r>
+              <a:rPr lang="ja-JP" altLang="en-US" sz="3200" dirty="0" smtClean="0"/>
+              <a:t>プラットフォーム</a:t>
+            </a:r>
+            <a:endParaRPr lang="en-US" altLang="ja-JP" sz="3200" dirty="0" smtClean="0"/>
+          </a:p>
+          <a:p>
+            <a:r>
+              <a:rPr kumimoji="1" lang="ja-JP" altLang="en-US" sz="3200" dirty="0"/>
+              <a:t>　</a:t>
+            </a:r>
+            <a:r>
+              <a:rPr kumimoji="1" lang="ja-JP" altLang="en-US" sz="3200" dirty="0" smtClean="0"/>
+              <a:t>　　</a:t>
+            </a:r>
+            <a:r>
+              <a:rPr kumimoji="1" lang="en-US" altLang="ja-JP" sz="3200" dirty="0" smtClean="0"/>
+              <a:t>PC</a:t>
+            </a:r>
+          </a:p>
+          <a:p>
+            <a:r>
+              <a:rPr lang="ja-JP" altLang="en-US" sz="3200" dirty="0"/>
+              <a:t>◆</a:t>
+            </a:r>
+            <a:r>
+              <a:rPr lang="ja-JP" altLang="en-US" sz="3200" dirty="0" smtClean="0"/>
+              <a:t>ターゲット</a:t>
+            </a:r>
+            <a:endParaRPr lang="en-US" altLang="ja-JP" sz="3200" dirty="0" smtClean="0"/>
+          </a:p>
+          <a:p>
+            <a:r>
+              <a:rPr kumimoji="1" lang="ja-JP" altLang="en-US" sz="3200" dirty="0"/>
+              <a:t>　</a:t>
+            </a:r>
+            <a:r>
+              <a:rPr kumimoji="1" lang="ja-JP" altLang="en-US" sz="3200" dirty="0" smtClean="0"/>
+              <a:t>　　メイン：</a:t>
+            </a:r>
+            <a:r>
+              <a:rPr kumimoji="1" lang="en-US" altLang="ja-JP" sz="3200" dirty="0" smtClean="0"/>
+              <a:t>20</a:t>
+            </a:r>
+            <a:r>
+              <a:rPr kumimoji="1" lang="ja-JP" altLang="en-US" sz="3200" dirty="0" smtClean="0"/>
+              <a:t>代前半女性</a:t>
+            </a:r>
+            <a:endParaRPr kumimoji="1" lang="en-US" altLang="ja-JP" sz="3200" dirty="0" smtClean="0"/>
+          </a:p>
+          <a:p>
+            <a:r>
+              <a:rPr lang="ja-JP" altLang="en-US" sz="3200" dirty="0"/>
+              <a:t>◆</a:t>
+            </a:r>
+            <a:r>
+              <a:rPr lang="ja-JP" altLang="en-US" sz="3200" dirty="0" smtClean="0"/>
+              <a:t>マネタイゼーション</a:t>
+            </a:r>
+            <a:endParaRPr lang="en-US" altLang="ja-JP" sz="3200" dirty="0" smtClean="0"/>
+          </a:p>
+          <a:p>
+            <a:r>
+              <a:rPr kumimoji="1" lang="ja-JP" altLang="en-US" sz="3200" dirty="0"/>
+              <a:t>　</a:t>
+            </a:r>
+            <a:r>
+              <a:rPr kumimoji="1" lang="ja-JP" altLang="en-US" sz="3200" dirty="0" smtClean="0"/>
+              <a:t>　　基本無料</a:t>
+            </a:r>
+            <a:endParaRPr lang="en-US" altLang="ja-JP" sz="3200" dirty="0" smtClean="0"/>
+          </a:p>
+        </p:txBody>
+      </p:sp>
+    </p:spTree>
+    <p:extLst>
+      <p:ext uri="{BB962C8B-B14F-4D97-AF65-F5344CB8AC3E}">
+        <p14:creationId xmlns:p14="http://schemas.microsoft.com/office/powerpoint/2010/main" val="2236813360"/>
       </p:ext>
     </p:extLst>
   </p:cSld>

--- a/櫻畑/資料/発表資料.pptx
+++ b/櫻畑/資料/発表資料.pptx
@@ -8,6 +8,7 @@
     <p:sldId id="256" r:id="rId2"/>
     <p:sldId id="257" r:id="rId3"/>
     <p:sldId id="258" r:id="rId4"/>
+    <p:sldId id="259" r:id="rId5"/>
   </p:sldIdLst>
   <p:sldSz cx="12192000" cy="6858000"/>
   <p:notesSz cx="6858000" cy="9144000"/>
@@ -245,7 +246,7 @@
           <a:p>
             <a:fld id="{9878ED59-041D-4854-9794-01A302C6670C}" type="datetimeFigureOut">
               <a:rPr kumimoji="1" lang="ja-JP" altLang="en-US" smtClean="0"/>
-              <a:t>2015/10/27</a:t>
+              <a:t>2015/10/28</a:t>
             </a:fld>
             <a:endParaRPr kumimoji="1" lang="ja-JP" altLang="en-US"/>
           </a:p>
@@ -447,7 +448,7 @@
           <a:p>
             <a:fld id="{9878ED59-041D-4854-9794-01A302C6670C}" type="datetimeFigureOut">
               <a:rPr kumimoji="1" lang="ja-JP" altLang="en-US" smtClean="0"/>
-              <a:t>2015/10/27</a:t>
+              <a:t>2015/10/28</a:t>
             </a:fld>
             <a:endParaRPr kumimoji="1" lang="ja-JP" altLang="en-US"/>
           </a:p>
@@ -659,7 +660,7 @@
           <a:p>
             <a:fld id="{9878ED59-041D-4854-9794-01A302C6670C}" type="datetimeFigureOut">
               <a:rPr kumimoji="1" lang="ja-JP" altLang="en-US" smtClean="0"/>
-              <a:t>2015/10/27</a:t>
+              <a:t>2015/10/28</a:t>
             </a:fld>
             <a:endParaRPr kumimoji="1" lang="ja-JP" altLang="en-US"/>
           </a:p>
@@ -861,7 +862,7 @@
           <a:p>
             <a:fld id="{9878ED59-041D-4854-9794-01A302C6670C}" type="datetimeFigureOut">
               <a:rPr kumimoji="1" lang="ja-JP" altLang="en-US" smtClean="0"/>
-              <a:t>2015/10/27</a:t>
+              <a:t>2015/10/28</a:t>
             </a:fld>
             <a:endParaRPr kumimoji="1" lang="ja-JP" altLang="en-US"/>
           </a:p>
@@ -1107,7 +1108,7 @@
           <a:p>
             <a:fld id="{9878ED59-041D-4854-9794-01A302C6670C}" type="datetimeFigureOut">
               <a:rPr kumimoji="1" lang="ja-JP" altLang="en-US" smtClean="0"/>
-              <a:t>2015/10/27</a:t>
+              <a:t>2015/10/28</a:t>
             </a:fld>
             <a:endParaRPr kumimoji="1" lang="ja-JP" altLang="en-US"/>
           </a:p>
@@ -1403,7 +1404,7 @@
           <a:p>
             <a:fld id="{9878ED59-041D-4854-9794-01A302C6670C}" type="datetimeFigureOut">
               <a:rPr kumimoji="1" lang="ja-JP" altLang="en-US" smtClean="0"/>
-              <a:t>2015/10/27</a:t>
+              <a:t>2015/10/28</a:t>
             </a:fld>
             <a:endParaRPr kumimoji="1" lang="ja-JP" altLang="en-US"/>
           </a:p>
@@ -1834,7 +1835,7 @@
           <a:p>
             <a:fld id="{9878ED59-041D-4854-9794-01A302C6670C}" type="datetimeFigureOut">
               <a:rPr kumimoji="1" lang="ja-JP" altLang="en-US" smtClean="0"/>
-              <a:t>2015/10/27</a:t>
+              <a:t>2015/10/28</a:t>
             </a:fld>
             <a:endParaRPr kumimoji="1" lang="ja-JP" altLang="en-US"/>
           </a:p>
@@ -1952,7 +1953,7 @@
           <a:p>
             <a:fld id="{9878ED59-041D-4854-9794-01A302C6670C}" type="datetimeFigureOut">
               <a:rPr kumimoji="1" lang="ja-JP" altLang="en-US" smtClean="0"/>
-              <a:t>2015/10/27</a:t>
+              <a:t>2015/10/28</a:t>
             </a:fld>
             <a:endParaRPr kumimoji="1" lang="ja-JP" altLang="en-US"/>
           </a:p>
@@ -2047,7 +2048,7 @@
           <a:p>
             <a:fld id="{9878ED59-041D-4854-9794-01A302C6670C}" type="datetimeFigureOut">
               <a:rPr kumimoji="1" lang="ja-JP" altLang="en-US" smtClean="0"/>
-              <a:t>2015/10/27</a:t>
+              <a:t>2015/10/28</a:t>
             </a:fld>
             <a:endParaRPr kumimoji="1" lang="ja-JP" altLang="en-US"/>
           </a:p>
@@ -2356,7 +2357,7 @@
           <a:p>
             <a:fld id="{9878ED59-041D-4854-9794-01A302C6670C}" type="datetimeFigureOut">
               <a:rPr kumimoji="1" lang="ja-JP" altLang="en-US" smtClean="0"/>
-              <a:t>2015/10/27</a:t>
+              <a:t>2015/10/28</a:t>
             </a:fld>
             <a:endParaRPr kumimoji="1" lang="ja-JP" altLang="en-US"/>
           </a:p>
@@ -2609,7 +2610,7 @@
           <a:p>
             <a:fld id="{9878ED59-041D-4854-9794-01A302C6670C}" type="datetimeFigureOut">
               <a:rPr kumimoji="1" lang="ja-JP" altLang="en-US" smtClean="0"/>
-              <a:t>2015/10/27</a:t>
+              <a:t>2015/10/28</a:t>
             </a:fld>
             <a:endParaRPr kumimoji="1" lang="ja-JP" altLang="en-US"/>
           </a:p>
@@ -2854,7 +2855,7 @@
           <a:p>
             <a:fld id="{9878ED59-041D-4854-9794-01A302C6670C}" type="datetimeFigureOut">
               <a:rPr kumimoji="1" lang="ja-JP" altLang="en-US" smtClean="0"/>
-              <a:t>2015/10/27</a:t>
+              <a:t>2015/10/28</a:t>
             </a:fld>
             <a:endParaRPr kumimoji="1" lang="ja-JP" altLang="en-US"/>
           </a:p>
@@ -3367,6 +3368,13 @@
   <p:clrMapOvr>
     <a:masterClrMapping/>
   </p:clrMapOvr>
+  <p:timing>
+    <p:tnLst>
+      <p:par>
+        <p:cTn id="1" dur="indefinite" restart="never" nodeType="tmRoot"/>
+      </p:par>
+    </p:tnLst>
+  </p:timing>
 </p:sld>
 </file>
 
@@ -3425,7 +3433,7 @@
         </p:nvSpPr>
         <p:spPr>
           <a:xfrm>
-            <a:off x="9820491" y="1218809"/>
+            <a:off x="262154" y="1290247"/>
             <a:ext cx="2010487" cy="3416320"/>
           </a:xfrm>
           <a:prstGeom prst="rect">
@@ -3530,6 +3538,175 @@
               <a:t>渡辺</a:t>
             </a:r>
             <a:endParaRPr lang="en-US" altLang="ja-JP" dirty="0" smtClean="0"/>
+          </a:p>
+          <a:p>
+            <a:endParaRPr kumimoji="1" lang="ja-JP" altLang="en-US" dirty="0"/>
+          </a:p>
+        </p:txBody>
+      </p:sp>
+      <p:sp>
+        <p:nvSpPr>
+          <p:cNvPr id="4" name="テキスト ボックス 3"/>
+          <p:cNvSpPr txBox="1"/>
+          <p:nvPr/>
+        </p:nvSpPr>
+        <p:spPr>
+          <a:xfrm>
+            <a:off x="6096000" y="1485900"/>
+            <a:ext cx="2239716" cy="5078313"/>
+          </a:xfrm>
+          <a:prstGeom prst="rect">
+            <a:avLst/>
+          </a:prstGeom>
+          <a:noFill/>
+        </p:spPr>
+        <p:txBody>
+          <a:bodyPr wrap="none" rtlCol="0">
+            <a:spAutoFit/>
+          </a:bodyPr>
+          <a:lstStyle/>
+          <a:p>
+            <a:r>
+              <a:rPr kumimoji="1" lang="ja-JP" altLang="en-US" dirty="0" smtClean="0"/>
+              <a:t>渡辺</a:t>
+            </a:r>
+            <a:endParaRPr kumimoji="1" lang="en-US" altLang="ja-JP" dirty="0" smtClean="0"/>
+          </a:p>
+          <a:p>
+            <a:r>
+              <a:rPr lang="ja-JP" altLang="en-US" dirty="0" smtClean="0"/>
+              <a:t>ロボット作成</a:t>
+            </a:r>
+            <a:endParaRPr lang="en-US" altLang="ja-JP" dirty="0" smtClean="0"/>
+          </a:p>
+          <a:p>
+            <a:r>
+              <a:rPr kumimoji="1" lang="en-US" altLang="ja-JP" dirty="0" smtClean="0"/>
+              <a:t>OP</a:t>
+            </a:r>
+            <a:r>
+              <a:rPr kumimoji="1" lang="ja-JP" altLang="en-US" dirty="0" smtClean="0"/>
+              <a:t>・</a:t>
+            </a:r>
+            <a:r>
+              <a:rPr kumimoji="1" lang="en-US" altLang="ja-JP" dirty="0" smtClean="0"/>
+              <a:t>ED</a:t>
+            </a:r>
+            <a:r>
+              <a:rPr kumimoji="1" lang="ja-JP" altLang="en-US" dirty="0" smtClean="0"/>
+              <a:t>のデザイン</a:t>
+            </a:r>
+            <a:endParaRPr kumimoji="1" lang="en-US" altLang="ja-JP" dirty="0" smtClean="0"/>
+          </a:p>
+          <a:p>
+            <a:r>
+              <a:rPr lang="ja-JP" altLang="en-US" dirty="0" smtClean="0"/>
+              <a:t>高居</a:t>
+            </a:r>
+            <a:endParaRPr lang="en-US" altLang="ja-JP" dirty="0" smtClean="0"/>
+          </a:p>
+          <a:p>
+            <a:r>
+              <a:rPr kumimoji="1" lang="ja-JP" altLang="en-US" dirty="0" smtClean="0"/>
+              <a:t>デザイン全般</a:t>
+            </a:r>
+            <a:endParaRPr kumimoji="1" lang="en-US" altLang="ja-JP" dirty="0" smtClean="0"/>
+          </a:p>
+          <a:p>
+            <a:r>
+              <a:rPr lang="ja-JP" altLang="en-US" dirty="0" smtClean="0"/>
+              <a:t>クイズ作成</a:t>
+            </a:r>
+            <a:endParaRPr lang="en-US" altLang="ja-JP" dirty="0" smtClean="0"/>
+          </a:p>
+          <a:p>
+            <a:r>
+              <a:rPr kumimoji="1" lang="ja-JP" altLang="en-US" dirty="0" smtClean="0"/>
+              <a:t>小島</a:t>
+            </a:r>
+            <a:endParaRPr kumimoji="1" lang="en-US" altLang="ja-JP" dirty="0" smtClean="0"/>
+          </a:p>
+          <a:p>
+            <a:r>
+              <a:rPr lang="en-US" altLang="ja-JP" dirty="0" smtClean="0"/>
+              <a:t>Script</a:t>
+            </a:r>
+            <a:r>
+              <a:rPr lang="ja-JP" altLang="en-US" dirty="0" smtClean="0"/>
+              <a:t>全般</a:t>
+            </a:r>
+            <a:endParaRPr lang="en-US" altLang="ja-JP" dirty="0" smtClean="0"/>
+          </a:p>
+          <a:p>
+            <a:r>
+              <a:rPr kumimoji="1" lang="ja-JP" altLang="en-US" dirty="0" smtClean="0"/>
+              <a:t>ステージ作成</a:t>
+            </a:r>
+            <a:endParaRPr kumimoji="1" lang="en-US" altLang="ja-JP" dirty="0" smtClean="0"/>
+          </a:p>
+          <a:p>
+            <a:r>
+              <a:rPr lang="ja-JP" altLang="en-US" dirty="0" smtClean="0"/>
+              <a:t>野地</a:t>
+            </a:r>
+            <a:endParaRPr lang="en-US" altLang="ja-JP" dirty="0" smtClean="0"/>
+          </a:p>
+          <a:p>
+            <a:r>
+              <a:rPr kumimoji="1" lang="en-US" altLang="ja-JP" dirty="0" smtClean="0"/>
+              <a:t>Item</a:t>
+            </a:r>
+            <a:r>
+              <a:rPr kumimoji="1" lang="ja-JP" altLang="en-US" dirty="0" smtClean="0"/>
+              <a:t>リスト</a:t>
+            </a:r>
+            <a:endParaRPr kumimoji="1" lang="en-US" altLang="ja-JP" dirty="0" smtClean="0"/>
+          </a:p>
+          <a:p>
+            <a:r>
+              <a:rPr kumimoji="1" lang="ja-JP" altLang="en-US" dirty="0" smtClean="0"/>
+              <a:t>ロボット関連</a:t>
+            </a:r>
+            <a:endParaRPr kumimoji="1" lang="en-US" altLang="ja-JP" dirty="0" smtClean="0"/>
+          </a:p>
+          <a:p>
+            <a:r>
+              <a:rPr lang="ja-JP" altLang="en-US" dirty="0" smtClean="0"/>
+              <a:t>動作</a:t>
+            </a:r>
+            <a:endParaRPr lang="en-US" altLang="ja-JP" dirty="0" smtClean="0"/>
+          </a:p>
+          <a:p>
+            <a:r>
+              <a:rPr lang="ja-JP" altLang="en-US" dirty="0" smtClean="0"/>
+              <a:t>ステージデザイン</a:t>
+            </a:r>
+            <a:endParaRPr lang="en-US" altLang="ja-JP" dirty="0" smtClean="0"/>
+          </a:p>
+          <a:p>
+            <a:r>
+              <a:rPr kumimoji="1" lang="ja-JP" altLang="en-US" dirty="0" smtClean="0"/>
+              <a:t>宮崎</a:t>
+            </a:r>
+            <a:endParaRPr kumimoji="1" lang="en-US" altLang="ja-JP" dirty="0" smtClean="0"/>
+          </a:p>
+          <a:p>
+            <a:r>
+              <a:rPr lang="en-US" altLang="ja-JP" dirty="0" smtClean="0"/>
+              <a:t>Script</a:t>
+            </a:r>
+            <a:r>
+              <a:rPr lang="ja-JP" altLang="en-US" dirty="0" smtClean="0"/>
+              <a:t>担当</a:t>
+            </a:r>
+            <a:endParaRPr lang="en-US" altLang="ja-JP" dirty="0" smtClean="0"/>
+          </a:p>
+          <a:p>
+            <a:r>
+              <a:rPr kumimoji="1" lang="ja-JP" altLang="en-US" dirty="0" smtClean="0"/>
+              <a:t>途中就職のため離脱</a:t>
+            </a:r>
+            <a:endParaRPr kumimoji="1" lang="en-US" altLang="ja-JP" dirty="0" smtClean="0"/>
           </a:p>
           <a:p>
             <a:endParaRPr kumimoji="1" lang="ja-JP" altLang="en-US" dirty="0"/>
@@ -3546,6 +3723,13 @@
   <p:clrMapOvr>
     <a:masterClrMapping/>
   </p:clrMapOvr>
+  <p:timing>
+    <p:tnLst>
+      <p:par>
+        <p:cTn id="1" dur="indefinite" restart="never" nodeType="tmRoot"/>
+      </p:par>
+    </p:tnLst>
+  </p:timing>
 </p:sld>
 </file>
 
@@ -3592,33 +3776,35 @@
           </a:p>
         </p:txBody>
       </p:sp>
-      <p:sp>
-        <p:nvSpPr>
-          <p:cNvPr id="4" name="コンテンツ プレースホルダー 3"/>
-          <p:cNvSpPr>
-            <a:spLocks noGrp="1"/>
-          </p:cNvSpPr>
+      <p:pic>
+        <p:nvPicPr>
+          <p:cNvPr id="3" name="コンテンツ プレースホルダー 2"/>
+          <p:cNvPicPr>
+            <a:picLocks noGrp="1" noChangeAspect="1"/>
+          </p:cNvPicPr>
           <p:nvPr>
             <p:ph idx="1"/>
           </p:nvPr>
-        </p:nvSpPr>
+        </p:nvPicPr>
+        <p:blipFill>
+          <a:blip r:embed="rId2" cstate="print">
+            <a:extLst>
+              <a:ext uri="{28A0092B-C50C-407E-A947-70E740481C1C}">
+                <a14:useLocalDpi xmlns:a14="http://schemas.microsoft.com/office/drawing/2010/main" val="0"/>
+              </a:ext>
+            </a:extLst>
+          </a:blip>
+          <a:stretch>
+            <a:fillRect/>
+          </a:stretch>
+        </p:blipFill>
         <p:spPr>
           <a:xfrm>
-            <a:off x="0" y="0"/>
-            <a:ext cx="6633556" cy="6858000"/>
+            <a:off x="321972" y="-7543"/>
+            <a:ext cx="5988676" cy="6871316"/>
           </a:xfrm>
         </p:spPr>
-        <p:txBody>
-          <a:bodyPr/>
-          <a:lstStyle/>
-          <a:p>
-            <a:pPr marL="0" indent="0">
-              <a:buNone/>
-            </a:pPr>
-            <a:endParaRPr kumimoji="1" lang="ja-JP" altLang="en-US" dirty="0"/>
-          </a:p>
-        </p:txBody>
-      </p:sp>
+      </p:pic>
       <p:sp>
         <p:nvSpPr>
           <p:cNvPr id="5" name="テキスト ボックス 4"/>
@@ -3627,8 +3813,8 @@
         </p:nvSpPr>
         <p:spPr>
           <a:xfrm>
-            <a:off x="6818287" y="116379"/>
-            <a:ext cx="4663456" cy="4031873"/>
+            <a:off x="6818286" y="116379"/>
+            <a:ext cx="4859593" cy="4031873"/>
           </a:xfrm>
           <a:prstGeom prst="rect">
             <a:avLst/>
@@ -3657,7 +3843,7 @@
           </a:sp3d>
         </p:spPr>
         <p:txBody>
-          <a:bodyPr wrap="none" rtlCol="0">
+          <a:bodyPr wrap="square" rtlCol="0">
             <a:spAutoFit/>
           </a:bodyPr>
           <a:lstStyle/>
@@ -3768,6 +3954,165 @@
   <p:clrMapOvr>
     <a:masterClrMapping/>
   </p:clrMapOvr>
+  <p:timing>
+    <p:tnLst>
+      <p:par>
+        <p:cTn id="1" dur="indefinite" restart="never" nodeType="tmRoot"/>
+      </p:par>
+    </p:tnLst>
+  </p:timing>
+</p:sld>
+</file>
+
+<file path=ppt/slides/slide4.xml><?xml version="1.0" encoding="utf-8"?>
+<p:sld xmlns:a="http://schemas.openxmlformats.org/drawingml/2006/main" xmlns:r="http://schemas.openxmlformats.org/officeDocument/2006/relationships" xmlns:p="http://schemas.openxmlformats.org/presentationml/2006/main">
+  <p:cSld>
+    <p:spTree>
+      <p:nvGrpSpPr>
+        <p:cNvPr id="1" name=""/>
+        <p:cNvGrpSpPr/>
+        <p:nvPr/>
+      </p:nvGrpSpPr>
+      <p:grpSpPr>
+        <a:xfrm>
+          <a:off x="0" y="0"/>
+          <a:ext cx="0" cy="0"/>
+          <a:chOff x="0" y="0"/>
+          <a:chExt cx="0" cy="0"/>
+        </a:xfrm>
+      </p:grpSpPr>
+      <p:sp>
+        <p:nvSpPr>
+          <p:cNvPr id="4" name="テキスト ボックス 3"/>
+          <p:cNvSpPr txBox="1"/>
+          <p:nvPr/>
+        </p:nvSpPr>
+        <p:spPr>
+          <a:xfrm>
+            <a:off x="5020225" y="200025"/>
+            <a:ext cx="2151551" cy="646331"/>
+          </a:xfrm>
+          <a:prstGeom prst="rect">
+            <a:avLst/>
+          </a:prstGeom>
+          <a:noFill/>
+        </p:spPr>
+        <p:txBody>
+          <a:bodyPr wrap="none" rtlCol="0">
+            <a:spAutoFit/>
+          </a:bodyPr>
+          <a:lstStyle/>
+          <a:p>
+            <a:r>
+              <a:rPr kumimoji="1" lang="ja-JP" altLang="en-US" sz="3600" dirty="0" smtClean="0"/>
+              <a:t>使用ソフト</a:t>
+            </a:r>
+            <a:endParaRPr kumimoji="1" lang="ja-JP" altLang="en-US" sz="3600" dirty="0"/>
+          </a:p>
+        </p:txBody>
+      </p:sp>
+      <p:sp>
+        <p:nvSpPr>
+          <p:cNvPr id="5" name="テキスト ボックス 4"/>
+          <p:cNvSpPr txBox="1"/>
+          <p:nvPr/>
+        </p:nvSpPr>
+        <p:spPr>
+          <a:xfrm>
+            <a:off x="500063" y="1614488"/>
+            <a:ext cx="1842171" cy="2585323"/>
+          </a:xfrm>
+          <a:prstGeom prst="rect">
+            <a:avLst/>
+          </a:prstGeom>
+          <a:noFill/>
+        </p:spPr>
+        <p:txBody>
+          <a:bodyPr wrap="none" rtlCol="0">
+            <a:spAutoFit/>
+          </a:bodyPr>
+          <a:lstStyle/>
+          <a:p>
+            <a:r>
+              <a:rPr lang="ja-JP" altLang="en-US" dirty="0" smtClean="0"/>
+              <a:t>連絡手段</a:t>
+            </a:r>
+            <a:endParaRPr lang="en-US" altLang="ja-JP" dirty="0" smtClean="0"/>
+          </a:p>
+          <a:p>
+            <a:r>
+              <a:rPr kumimoji="1" lang="en-US" altLang="ja-JP" dirty="0" smtClean="0"/>
+              <a:t>Slack</a:t>
+            </a:r>
+          </a:p>
+          <a:p>
+            <a:r>
+              <a:rPr lang="ja-JP" altLang="en-US" dirty="0" smtClean="0"/>
+              <a:t>看板管理</a:t>
+            </a:r>
+            <a:endParaRPr lang="en-US" altLang="ja-JP" dirty="0" smtClean="0"/>
+          </a:p>
+          <a:p>
+            <a:r>
+              <a:rPr kumimoji="1" lang="en-US" altLang="ja-JP" dirty="0" smtClean="0"/>
+              <a:t>Trello</a:t>
+            </a:r>
+          </a:p>
+          <a:p>
+            <a:r>
+              <a:rPr lang="ja-JP" altLang="en-US" dirty="0" smtClean="0"/>
+              <a:t>資料・データ管理</a:t>
+            </a:r>
+            <a:endParaRPr lang="en-US" altLang="ja-JP" dirty="0" smtClean="0"/>
+          </a:p>
+          <a:p>
+            <a:r>
+              <a:rPr kumimoji="1" lang="en-US" altLang="ja-JP" dirty="0" smtClean="0"/>
+              <a:t>GitHub</a:t>
+            </a:r>
+          </a:p>
+          <a:p>
+            <a:r>
+              <a:rPr lang="ja-JP" altLang="en-US" dirty="0" smtClean="0"/>
+              <a:t>ゲーム作成</a:t>
+            </a:r>
+            <a:endParaRPr lang="en-US" altLang="ja-JP" dirty="0" smtClean="0"/>
+          </a:p>
+          <a:p>
+            <a:r>
+              <a:rPr kumimoji="1" lang="en-US" altLang="ja-JP" dirty="0" smtClean="0"/>
+              <a:t>Unity</a:t>
+            </a:r>
+          </a:p>
+          <a:p>
+            <a:r>
+              <a:rPr lang="ja-JP" altLang="en-US" dirty="0" smtClean="0"/>
+              <a:t>言語</a:t>
+            </a:r>
+            <a:r>
+              <a:rPr lang="en-US" altLang="ja-JP" dirty="0" smtClean="0"/>
+              <a:t>C#</a:t>
+            </a:r>
+          </a:p>
+        </p:txBody>
+      </p:sp>
+    </p:spTree>
+    <p:extLst>
+      <p:ext uri="{BB962C8B-B14F-4D97-AF65-F5344CB8AC3E}">
+        <p14:creationId xmlns:p14="http://schemas.microsoft.com/office/powerpoint/2010/main" val="343330838"/>
+      </p:ext>
+    </p:extLst>
+  </p:cSld>
+  <p:clrMapOvr>
+    <a:masterClrMapping/>
+  </p:clrMapOvr>
+  <p:timing>
+    <p:tnLst>
+      <p:par>
+        <p:cTn id="1" dur="indefinite" restart="never" nodeType="tmRoot"/>
+      </p:par>
+    </p:tnLst>
+  </p:timing>
 </p:sld>
 </file>
 

--- a/櫻畑/資料/発表資料.pptx
+++ b/櫻畑/資料/発表資料.pptx
@@ -8,7 +8,8 @@
     <p:sldId id="256" r:id="rId2"/>
     <p:sldId id="257" r:id="rId3"/>
     <p:sldId id="258" r:id="rId4"/>
-    <p:sldId id="259" r:id="rId5"/>
+    <p:sldId id="260" r:id="rId5"/>
+    <p:sldId id="259" r:id="rId6"/>
   </p:sldIdLst>
   <p:sldSz cx="12192000" cy="6858000"/>
   <p:notesSz cx="6858000" cy="9144000"/>
@@ -246,7 +247,7 @@
           <a:p>
             <a:fld id="{9878ED59-041D-4854-9794-01A302C6670C}" type="datetimeFigureOut">
               <a:rPr kumimoji="1" lang="ja-JP" altLang="en-US" smtClean="0"/>
-              <a:t>2015/10/28</a:t>
+              <a:t>2015/10/30</a:t>
             </a:fld>
             <a:endParaRPr kumimoji="1" lang="ja-JP" altLang="en-US"/>
           </a:p>
@@ -448,7 +449,7 @@
           <a:p>
             <a:fld id="{9878ED59-041D-4854-9794-01A302C6670C}" type="datetimeFigureOut">
               <a:rPr kumimoji="1" lang="ja-JP" altLang="en-US" smtClean="0"/>
-              <a:t>2015/10/28</a:t>
+              <a:t>2015/10/30</a:t>
             </a:fld>
             <a:endParaRPr kumimoji="1" lang="ja-JP" altLang="en-US"/>
           </a:p>
@@ -660,7 +661,7 @@
           <a:p>
             <a:fld id="{9878ED59-041D-4854-9794-01A302C6670C}" type="datetimeFigureOut">
               <a:rPr kumimoji="1" lang="ja-JP" altLang="en-US" smtClean="0"/>
-              <a:t>2015/10/28</a:t>
+              <a:t>2015/10/30</a:t>
             </a:fld>
             <a:endParaRPr kumimoji="1" lang="ja-JP" altLang="en-US"/>
           </a:p>
@@ -862,7 +863,7 @@
           <a:p>
             <a:fld id="{9878ED59-041D-4854-9794-01A302C6670C}" type="datetimeFigureOut">
               <a:rPr kumimoji="1" lang="ja-JP" altLang="en-US" smtClean="0"/>
-              <a:t>2015/10/28</a:t>
+              <a:t>2015/10/30</a:t>
             </a:fld>
             <a:endParaRPr kumimoji="1" lang="ja-JP" altLang="en-US"/>
           </a:p>
@@ -1108,7 +1109,7 @@
           <a:p>
             <a:fld id="{9878ED59-041D-4854-9794-01A302C6670C}" type="datetimeFigureOut">
               <a:rPr kumimoji="1" lang="ja-JP" altLang="en-US" smtClean="0"/>
-              <a:t>2015/10/28</a:t>
+              <a:t>2015/10/30</a:t>
             </a:fld>
             <a:endParaRPr kumimoji="1" lang="ja-JP" altLang="en-US"/>
           </a:p>
@@ -1404,7 +1405,7 @@
           <a:p>
             <a:fld id="{9878ED59-041D-4854-9794-01A302C6670C}" type="datetimeFigureOut">
               <a:rPr kumimoji="1" lang="ja-JP" altLang="en-US" smtClean="0"/>
-              <a:t>2015/10/28</a:t>
+              <a:t>2015/10/30</a:t>
             </a:fld>
             <a:endParaRPr kumimoji="1" lang="ja-JP" altLang="en-US"/>
           </a:p>
@@ -1835,7 +1836,7 @@
           <a:p>
             <a:fld id="{9878ED59-041D-4854-9794-01A302C6670C}" type="datetimeFigureOut">
               <a:rPr kumimoji="1" lang="ja-JP" altLang="en-US" smtClean="0"/>
-              <a:t>2015/10/28</a:t>
+              <a:t>2015/10/30</a:t>
             </a:fld>
             <a:endParaRPr kumimoji="1" lang="ja-JP" altLang="en-US"/>
           </a:p>
@@ -1953,7 +1954,7 @@
           <a:p>
             <a:fld id="{9878ED59-041D-4854-9794-01A302C6670C}" type="datetimeFigureOut">
               <a:rPr kumimoji="1" lang="ja-JP" altLang="en-US" smtClean="0"/>
-              <a:t>2015/10/28</a:t>
+              <a:t>2015/10/30</a:t>
             </a:fld>
             <a:endParaRPr kumimoji="1" lang="ja-JP" altLang="en-US"/>
           </a:p>
@@ -2048,7 +2049,7 @@
           <a:p>
             <a:fld id="{9878ED59-041D-4854-9794-01A302C6670C}" type="datetimeFigureOut">
               <a:rPr kumimoji="1" lang="ja-JP" altLang="en-US" smtClean="0"/>
-              <a:t>2015/10/28</a:t>
+              <a:t>2015/10/30</a:t>
             </a:fld>
             <a:endParaRPr kumimoji="1" lang="ja-JP" altLang="en-US"/>
           </a:p>
@@ -2357,7 +2358,7 @@
           <a:p>
             <a:fld id="{9878ED59-041D-4854-9794-01A302C6670C}" type="datetimeFigureOut">
               <a:rPr kumimoji="1" lang="ja-JP" altLang="en-US" smtClean="0"/>
-              <a:t>2015/10/28</a:t>
+              <a:t>2015/10/30</a:t>
             </a:fld>
             <a:endParaRPr kumimoji="1" lang="ja-JP" altLang="en-US"/>
           </a:p>
@@ -2610,7 +2611,7 @@
           <a:p>
             <a:fld id="{9878ED59-041D-4854-9794-01A302C6670C}" type="datetimeFigureOut">
               <a:rPr kumimoji="1" lang="ja-JP" altLang="en-US" smtClean="0"/>
-              <a:t>2015/10/28</a:t>
+              <a:t>2015/10/30</a:t>
             </a:fld>
             <a:endParaRPr kumimoji="1" lang="ja-JP" altLang="en-US"/>
           </a:p>
@@ -2855,7 +2856,7 @@
           <a:p>
             <a:fld id="{9878ED59-041D-4854-9794-01A302C6670C}" type="datetimeFigureOut">
               <a:rPr kumimoji="1" lang="ja-JP" altLang="en-US" smtClean="0"/>
-              <a:t>2015/10/28</a:t>
+              <a:t>2015/10/30</a:t>
             </a:fld>
             <a:endParaRPr kumimoji="1" lang="ja-JP" altLang="en-US"/>
           </a:p>
@@ -3989,6 +3990,98 @@
         </p:nvSpPr>
         <p:spPr>
           <a:xfrm>
+            <a:off x="3970422" y="1913021"/>
+            <a:ext cx="4570482" cy="1015663"/>
+          </a:xfrm>
+          <a:prstGeom prst="rect">
+            <a:avLst/>
+          </a:prstGeom>
+          <a:noFill/>
+        </p:spPr>
+        <p:txBody>
+          <a:bodyPr wrap="none" rtlCol="0">
+            <a:spAutoFit/>
+          </a:bodyPr>
+          <a:lstStyle/>
+          <a:p>
+            <a:r>
+              <a:rPr kumimoji="1" lang="ja-JP" altLang="en-US" sz="1200" dirty="0" smtClean="0"/>
+              <a:t>ゲームルール</a:t>
+            </a:r>
+            <a:endParaRPr kumimoji="1" lang="en-US" altLang="ja-JP" sz="1200" dirty="0" smtClean="0"/>
+          </a:p>
+          <a:p>
+            <a:r>
+              <a:rPr lang="ja-JP" altLang="en-US" sz="1200" dirty="0" smtClean="0"/>
+              <a:t>ロボットは最短ルートでゴールに移動する。</a:t>
+            </a:r>
+            <a:endParaRPr lang="en-US" altLang="ja-JP" sz="1200" dirty="0" smtClean="0"/>
+          </a:p>
+          <a:p>
+            <a:r>
+              <a:rPr lang="ja-JP" altLang="en-US" sz="1200" dirty="0" smtClean="0"/>
+              <a:t>各場所に散らばっているアイテムと鍵がないとゴールには行けない。</a:t>
+            </a:r>
+            <a:endParaRPr lang="en-US" altLang="ja-JP" sz="1200" dirty="0" smtClean="0"/>
+          </a:p>
+          <a:p>
+            <a:r>
+              <a:rPr lang="ja-JP" altLang="en-US" sz="1200" dirty="0" smtClean="0"/>
+              <a:t>物を落とし、誘導してアイテムに導く。</a:t>
+            </a:r>
+            <a:endParaRPr lang="en-US" altLang="ja-JP" sz="1200" dirty="0" smtClean="0"/>
+          </a:p>
+          <a:p>
+            <a:r>
+              <a:rPr kumimoji="1" lang="ja-JP" altLang="en-US" sz="1200"/>
+              <a:t>最後</a:t>
+            </a:r>
+            <a:r>
+              <a:rPr kumimoji="1" lang="ja-JP" altLang="en-US" sz="1200" smtClean="0"/>
+              <a:t>に取得したアイテムを使って謎解き。</a:t>
+            </a:r>
+            <a:endParaRPr kumimoji="1" lang="ja-JP" altLang="en-US" sz="1200" dirty="0"/>
+          </a:p>
+        </p:txBody>
+      </p:sp>
+    </p:spTree>
+    <p:extLst>
+      <p:ext uri="{BB962C8B-B14F-4D97-AF65-F5344CB8AC3E}">
+        <p14:creationId xmlns:p14="http://schemas.microsoft.com/office/powerpoint/2010/main" val="2784883462"/>
+      </p:ext>
+    </p:extLst>
+  </p:cSld>
+  <p:clrMapOvr>
+    <a:masterClrMapping/>
+  </p:clrMapOvr>
+</p:sld>
+</file>
+
+<file path=ppt/slides/slide5.xml><?xml version="1.0" encoding="utf-8"?>
+<p:sld xmlns:a="http://schemas.openxmlformats.org/drawingml/2006/main" xmlns:r="http://schemas.openxmlformats.org/officeDocument/2006/relationships" xmlns:p="http://schemas.openxmlformats.org/presentationml/2006/main">
+  <p:cSld>
+    <p:spTree>
+      <p:nvGrpSpPr>
+        <p:cNvPr id="1" name=""/>
+        <p:cNvGrpSpPr/>
+        <p:nvPr/>
+      </p:nvGrpSpPr>
+      <p:grpSpPr>
+        <a:xfrm>
+          <a:off x="0" y="0"/>
+          <a:ext cx="0" cy="0"/>
+          <a:chOff x="0" y="0"/>
+          <a:chExt cx="0" cy="0"/>
+        </a:xfrm>
+      </p:grpSpPr>
+      <p:sp>
+        <p:nvSpPr>
+          <p:cNvPr id="4" name="テキスト ボックス 3"/>
+          <p:cNvSpPr txBox="1"/>
+          <p:nvPr/>
+        </p:nvSpPr>
+        <p:spPr>
+          <a:xfrm>
             <a:off x="5020225" y="200025"/>
             <a:ext cx="2151551" cy="646331"/>
           </a:xfrm>

--- a/櫻畑/資料/発表資料.pptx
+++ b/櫻畑/資料/発表資料.pptx
@@ -4033,11 +4033,11 @@
           </a:p>
           <a:p>
             <a:r>
-              <a:rPr kumimoji="1" lang="ja-JP" altLang="en-US" sz="1200"/>
+              <a:rPr kumimoji="1" lang="ja-JP" altLang="en-US" sz="1200" dirty="0"/>
               <a:t>最後</a:t>
             </a:r>
             <a:r>
-              <a:rPr kumimoji="1" lang="ja-JP" altLang="en-US" sz="1200" smtClean="0"/>
+              <a:rPr kumimoji="1" lang="ja-JP" altLang="en-US" sz="1200" dirty="0" smtClean="0"/>
               <a:t>に取得したアイテムを使って謎解き。</a:t>
             </a:r>
             <a:endParaRPr kumimoji="1" lang="ja-JP" altLang="en-US" sz="1200" dirty="0"/>
